--- a/_site/docs/IntroductionToTextMining.pptx
+++ b/_site/docs/IntroductionToTextMining.pptx
@@ -147,6 +147,11 @@
             <a:srgbClr val="A4A3A4"/>
           </p15:clr>
         </p15:guide>
+        <p15:guide id="3" orient="horz" pos="2160">
+          <p15:clr>
+            <a:srgbClr val="A4A3A4"/>
+          </p15:clr>
+        </p15:guide>
       </p15:sldGuideLst>
     </p:ext>
   </p:extLst>
@@ -235,7 +240,7 @@
           <a:p>
             <a:fld id="{E8F3E8EE-47E5-47CD-960F-A3DDD26A6F74}" type="datetimeFigureOut">
               <a:rPr lang="en-US" smtClean="0"/>
-              <a:t>12/27/2014</a:t>
+              <a:t>1/10/2015</a:t>
             </a:fld>
             <a:endParaRPr lang="en-US"/>
           </a:p>
@@ -1554,7 +1559,7 @@
           <a:p>
             <a:fld id="{99A1076B-8692-4829-A8B9-C520EE8E7B2B}" type="datetime1">
               <a:rPr lang="en-US" smtClean="0"/>
-              <a:t>12/27/2014</a:t>
+              <a:t>1/10/2015</a:t>
             </a:fld>
             <a:endParaRPr lang="en-US"/>
           </a:p>
@@ -1724,7 +1729,7 @@
           <a:p>
             <a:fld id="{6F0576D1-30A8-4E97-A077-412D4DB3147F}" type="datetime1">
               <a:rPr lang="en-US" smtClean="0"/>
-              <a:t>12/27/2014</a:t>
+              <a:t>1/10/2015</a:t>
             </a:fld>
             <a:endParaRPr lang="en-US"/>
           </a:p>
@@ -1904,7 +1909,7 @@
           <a:p>
             <a:fld id="{EC9A0AAF-475D-4AE9-8FB5-8A701898EAA2}" type="datetime1">
               <a:rPr lang="en-US" smtClean="0"/>
-              <a:t>12/27/2014</a:t>
+              <a:t>1/10/2015</a:t>
             </a:fld>
             <a:endParaRPr lang="en-US"/>
           </a:p>
@@ -2074,7 +2079,7 @@
           <a:p>
             <a:fld id="{21927104-42C8-46DC-88DA-DD8EA282CF70}" type="datetime1">
               <a:rPr lang="en-US" smtClean="0"/>
-              <a:t>12/27/2014</a:t>
+              <a:t>1/10/2015</a:t>
             </a:fld>
             <a:endParaRPr lang="en-US"/>
           </a:p>
@@ -2320,7 +2325,7 @@
           <a:p>
             <a:fld id="{0146F7A1-3F1C-4728-B135-BEFC4C048328}" type="datetime1">
               <a:rPr lang="en-US" smtClean="0"/>
-              <a:t>12/27/2014</a:t>
+              <a:t>1/10/2015</a:t>
             </a:fld>
             <a:endParaRPr lang="en-US"/>
           </a:p>
@@ -2608,7 +2613,7 @@
           <a:p>
             <a:fld id="{23CF491A-1D7D-4C92-80B2-DCCDC98ACE02}" type="datetime1">
               <a:rPr lang="en-US" smtClean="0"/>
-              <a:t>12/27/2014</a:t>
+              <a:t>1/10/2015</a:t>
             </a:fld>
             <a:endParaRPr lang="en-US"/>
           </a:p>
@@ -3030,7 +3035,7 @@
           <a:p>
             <a:fld id="{248D068D-87E9-4BF5-8E18-A965915B21F3}" type="datetime1">
               <a:rPr lang="en-US" smtClean="0"/>
-              <a:t>12/27/2014</a:t>
+              <a:t>1/10/2015</a:t>
             </a:fld>
             <a:endParaRPr lang="en-US"/>
           </a:p>
@@ -3148,7 +3153,7 @@
           <a:p>
             <a:fld id="{0D6C0C1F-1ED6-443C-BA45-A67074C9C9CC}" type="datetime1">
               <a:rPr lang="en-US" smtClean="0"/>
-              <a:t>12/27/2014</a:t>
+              <a:t>1/10/2015</a:t>
             </a:fld>
             <a:endParaRPr lang="en-US"/>
           </a:p>
@@ -3243,7 +3248,7 @@
           <a:p>
             <a:fld id="{1F5EF885-E843-41DA-98E4-CB027E65BAE3}" type="datetime1">
               <a:rPr lang="en-US" smtClean="0"/>
-              <a:t>12/27/2014</a:t>
+              <a:t>1/10/2015</a:t>
             </a:fld>
             <a:endParaRPr lang="en-US"/>
           </a:p>
@@ -3520,7 +3525,7 @@
           <a:p>
             <a:fld id="{47EE6211-D691-43F8-A7FD-B1B6F18CACEF}" type="datetime1">
               <a:rPr lang="en-US" smtClean="0"/>
-              <a:t>12/27/2014</a:t>
+              <a:t>1/10/2015</a:t>
             </a:fld>
             <a:endParaRPr lang="en-US"/>
           </a:p>
@@ -3777,7 +3782,7 @@
           <a:p>
             <a:fld id="{4CA12B92-48BC-46D4-B04E-C02035F11F44}" type="datetime1">
               <a:rPr lang="en-US" smtClean="0"/>
-              <a:t>12/27/2014</a:t>
+              <a:t>1/10/2015</a:t>
             </a:fld>
             <a:endParaRPr lang="en-US"/>
           </a:p>
@@ -3990,7 +3995,7 @@
           <a:p>
             <a:fld id="{5A2FB8DB-0E50-4FF3-BE5D-F649E20D467A}" type="datetime1">
               <a:rPr lang="en-US" smtClean="0"/>
-              <a:t>12/27/2014</a:t>
+              <a:t>1/10/2015</a:t>
             </a:fld>
             <a:endParaRPr lang="en-US"/>
           </a:p>
@@ -5863,7 +5868,7 @@
           <p:nvPr>
             <p:extLst>
               <p:ext uri="{D42A27DB-BD31-4B8C-83A1-F6EECF244321}">
-                <p14:modId xmlns:p14="http://schemas.microsoft.com/office/powerpoint/2010/main" val="695785347"/>
+                <p14:modId xmlns:p14="http://schemas.microsoft.com/office/powerpoint/2010/main" val="4091037270"/>
               </p:ext>
             </p:extLst>
           </p:nvPr>
@@ -7551,8 +7556,18 @@
                           <a:effectLst/>
                           <a:latin typeface="Arial" panose="020B0604020202020204" pitchFamily="34" charset="0"/>
                         </a:rPr>
-                        <a:t>General </a:t>
+                        <a:t>General</a:t>
                       </a:r>
+                      <a:endParaRPr kumimoji="0" lang="en-US" altLang="en-US" sz="2000" b="0" i="0" u="none" strike="noStrike" cap="none" normalizeH="0" baseline="0" dirty="0" smtClean="0">
+                        <a:ln>
+                          <a:noFill/>
+                        </a:ln>
+                        <a:solidFill>
+                          <a:schemeClr val="tx1"/>
+                        </a:solidFill>
+                        <a:effectLst/>
+                        <a:latin typeface="Arial" panose="020B0604020202020204" pitchFamily="34" charset="0"/>
+                      </a:endParaRPr>
                     </a:p>
                     <a:p>
                       <a:pPr marL="0" marR="0" lvl="0" indent="0" algn="ctr" defTabSz="914400" rtl="0" eaLnBrk="0" fontAlgn="base" latinLnBrk="0" hangingPunct="0">
@@ -7962,7 +7977,7 @@
                         <a:tabLst/>
                       </a:pPr>
                       <a:r>
-                        <a:rPr kumimoji="0" lang="en-US" altLang="en-US" sz="2000" b="0" i="0" u="none" strike="noStrike" cap="none" normalizeH="0" baseline="0" smtClean="0">
+                        <a:rPr kumimoji="0" lang="en-US" altLang="en-US" sz="2000" b="0" i="0" u="none" strike="noStrike" cap="none" normalizeH="0" baseline="0" dirty="0" smtClean="0">
                           <a:ln>
                             <a:noFill/>
                           </a:ln>
@@ -7976,7 +7991,7 @@
                       </a:r>
                     </a:p>
                   </a:txBody>
-                  <a:tcPr horzOverflow="overflow">
+                  <a:tcPr anchor="ctr" horzOverflow="overflow">
                     <a:lnL w="12700" cap="flat" cmpd="sng" algn="ctr">
                       <a:solidFill>
                         <a:schemeClr val="tx1"/>
@@ -8573,7 +8588,7 @@
                       </a:r>
                     </a:p>
                   </a:txBody>
-                  <a:tcPr horzOverflow="overflow">
+                  <a:tcPr anchor="ctr" horzOverflow="overflow">
                     <a:lnL w="12700" cap="flat" cmpd="sng" algn="ctr">
                       <a:solidFill>
                         <a:schemeClr val="tx1"/>
@@ -11129,11 +11144,7 @@
           <a:p>
             <a:r>
               <a:rPr lang="en-US" dirty="0" smtClean="0"/>
-              <a:t>Document </a:t>
-            </a:r>
-            <a:r>
-              <a:rPr lang="en-US" dirty="0" smtClean="0"/>
-              <a:t>categorization</a:t>
+              <a:t>Document categorization</a:t>
             </a:r>
           </a:p>
           <a:p>
@@ -11223,11 +11234,7 @@
           <a:p>
             <a:r>
               <a:rPr lang="en-US" dirty="0" smtClean="0"/>
-              <a:t>Text </a:t>
-            </a:r>
-            <a:r>
-              <a:rPr lang="en-US" dirty="0" smtClean="0"/>
-              <a:t>clustering</a:t>
+              <a:t>Text clustering</a:t>
             </a:r>
           </a:p>
           <a:p>
@@ -11805,8 +11812,9 @@
             <a:pPr lvl="1"/>
             <a:r>
               <a:rPr lang="en-US" dirty="0" smtClean="0"/>
-              <a:t>Part-of-speech-tagging</a:t>
-            </a:r>
+              <a:t>Part-of-speech tagging</a:t>
+            </a:r>
+            <a:endParaRPr lang="en-US" dirty="0" smtClean="0"/>
           </a:p>
           <a:p>
             <a:pPr lvl="2"/>
@@ -14771,14 +14779,7 @@
                   <a:ea typeface="宋体" panose="02010600030101010101" pitchFamily="2" charset="-122"/>
                   <a:cs typeface="Times New Roman" panose="02020603050405020304" pitchFamily="18" charset="0"/>
                 </a:rPr>
-                <a:t>Knowledge </a:t>
-              </a:r>
-              <a:r>
-                <a:rPr lang="en-US" sz="1200" b="1" dirty="0">
-                  <a:ea typeface="宋体" panose="02010600030101010101" pitchFamily="2" charset="-122"/>
-                  <a:cs typeface="Times New Roman" panose="02020603050405020304" pitchFamily="18" charset="0"/>
-                </a:rPr>
-                <a:t>Discovery</a:t>
+                <a:t>Knowledge Discovery</a:t>
               </a:r>
               <a:endParaRPr lang="en-US" sz="1200" dirty="0">
                 <a:ea typeface="宋体" panose="02010600030101010101" pitchFamily="2" charset="-122"/>
@@ -15216,14 +15217,7 @@
                   <a:ea typeface="宋体" panose="02010600030101010101" pitchFamily="2" charset="-122"/>
                   <a:cs typeface="Times New Roman" panose="02020603050405020304" pitchFamily="18" charset="0"/>
                 </a:rPr>
-                <a:t>Behavior </a:t>
-              </a:r>
-              <a:r>
-                <a:rPr lang="en-US" sz="1200" b="1" i="1" dirty="0">
-                  <a:ea typeface="宋体" panose="02010600030101010101" pitchFamily="2" charset="-122"/>
-                  <a:cs typeface="Times New Roman" panose="02020603050405020304" pitchFamily="18" charset="0"/>
-                </a:rPr>
-                <a:t>data</a:t>
+                <a:t>Behavior data</a:t>
               </a:r>
               <a:endParaRPr lang="en-US" sz="1200" dirty="0">
                 <a:ea typeface="宋体" panose="02010600030101010101" pitchFamily="2" charset="-122"/>
@@ -15287,14 +15281,7 @@
                   <a:ea typeface="宋体" panose="02010600030101010101" pitchFamily="2" charset="-122"/>
                   <a:cs typeface="Times New Roman" panose="02020603050405020304" pitchFamily="18" charset="0"/>
                 </a:rPr>
-                <a:t>Text </a:t>
-              </a:r>
-              <a:r>
-                <a:rPr lang="en-US" sz="1200" b="1" i="1" dirty="0">
-                  <a:ea typeface="宋体" panose="02010600030101010101" pitchFamily="2" charset="-122"/>
-                  <a:cs typeface="Times New Roman" panose="02020603050405020304" pitchFamily="18" charset="0"/>
-                </a:rPr>
-                <a:t>data</a:t>
+                <a:t>Text data</a:t>
               </a:r>
               <a:endParaRPr lang="en-US" sz="1200" dirty="0">
                 <a:ea typeface="宋体" panose="02010600030101010101" pitchFamily="2" charset="-122"/>
@@ -15637,21 +15624,7 @@
                   <a:ea typeface="宋体" panose="02010600030101010101" pitchFamily="2" charset="-122"/>
                   <a:cs typeface="Times New Roman" panose="02020603050405020304" pitchFamily="18" charset="0"/>
                 </a:rPr>
-                <a:t>Human: </a:t>
-              </a:r>
-              <a:r>
-                <a:rPr lang="en-US" sz="1400" b="1" i="1" dirty="0">
-                  <a:ea typeface="宋体" panose="02010600030101010101" pitchFamily="2" charset="-122"/>
-                  <a:cs typeface="Times New Roman" panose="02020603050405020304" pitchFamily="18" charset="0"/>
-                </a:rPr>
-                <a:t>big data producer </a:t>
-              </a:r>
-              <a:r>
-                <a:rPr lang="en-US" sz="1400" b="1" i="1" dirty="0">
-                  <a:ea typeface="宋体" panose="02010600030101010101" pitchFamily="2" charset="-122"/>
-                  <a:cs typeface="Times New Roman" panose="02020603050405020304" pitchFamily="18" charset="0"/>
-                </a:rPr>
-                <a:t>and consumer</a:t>
+                <a:t>Human: big data producer and consumer</a:t>
               </a:r>
               <a:endParaRPr lang="en-US" sz="1400" dirty="0">
                 <a:ea typeface="宋体" panose="02010600030101010101" pitchFamily="2" charset="-122"/>
@@ -15691,11 +15664,6 @@
               </a:rPr>
               <a:t>As data producer</a:t>
             </a:r>
-            <a:endParaRPr lang="en-US" b="1" i="1" dirty="0">
-              <a:solidFill>
-                <a:srgbClr val="FF0000"/>
-              </a:solidFill>
-            </a:endParaRPr>
           </a:p>
         </p:txBody>
       </p:sp>
@@ -15743,7 +15711,6 @@
               <a:rPr lang="en-US" b="1" dirty="0"/>
               <a:t>Rich semantic</a:t>
             </a:r>
-            <a:endParaRPr lang="en-US" b="1" dirty="0"/>
           </a:p>
         </p:txBody>
       </p:sp>
@@ -15777,11 +15744,6 @@
               </a:rPr>
               <a:t>As knowledge consumer</a:t>
             </a:r>
-            <a:endParaRPr lang="en-US" b="1" i="1" dirty="0">
-              <a:solidFill>
-                <a:srgbClr val="FF0000"/>
-              </a:solidFill>
-            </a:endParaRPr>
           </a:p>
         </p:txBody>
       </p:sp>
@@ -15829,7 +15791,6 @@
               <a:rPr lang="en-US" b="1" dirty="0"/>
               <a:t>Diverse and dynamic</a:t>
             </a:r>
-            <a:endParaRPr lang="en-US" b="1" dirty="0"/>
           </a:p>
         </p:txBody>
       </p:sp>
@@ -18753,7 +18714,15 @@
             </a:r>
             <a:r>
               <a:rPr lang="en-US" i="1" dirty="0"/>
-              <a:t>Watson's main innovation was not in the creation of a new algorithm for this operation but rather its ability to quickly execute hundreds of proven language analysis algorithms simultaneously to find the correct answer</a:t>
+              <a:t>Watson's main innovation was not in the creation of a new algorithm for this operation but rather its ability to </a:t>
+            </a:r>
+            <a:r>
+              <a:rPr lang="en-US" b="1" i="1" dirty="0"/>
+              <a:t>quickly</a:t>
+            </a:r>
+            <a:r>
+              <a:rPr lang="en-US" i="1" dirty="0"/>
+              <a:t> execute hundreds of proven language analysis algorithms simultaneously to find the correct answer</a:t>
             </a:r>
             <a:r>
               <a:rPr lang="en-US" i="1" dirty="0" smtClean="0"/>

--- a/_site/docs/IntroductionToTextMining.pptx
+++ b/_site/docs/IntroductionToTextMining.pptx
@@ -12832,15 +12832,7 @@
             <a:pPr lvl="1"/>
             <a:r>
               <a:rPr lang="en-US" dirty="0" smtClean="0"/>
-              <a:t>Adding </a:t>
-            </a:r>
-            <a:r>
-              <a:rPr lang="en-US" dirty="0" smtClean="0"/>
-              <a:t>structures </a:t>
-            </a:r>
-            <a:r>
-              <a:rPr lang="en-US" dirty="0" smtClean="0"/>
-              <a:t>to the text corpus</a:t>
+              <a:t>Adding structures to the text corpus</a:t>
             </a:r>
             <a:endParaRPr lang="en-US" dirty="0"/>
           </a:p>
@@ -18775,7 +18767,11 @@
           <a:p>
             <a:r>
               <a:rPr lang="en-US" dirty="0" smtClean="0"/>
-              <a:t>Text Books</a:t>
+              <a:t>Text </a:t>
+            </a:r>
+            <a:r>
+              <a:rPr lang="en-US" dirty="0" smtClean="0"/>
+              <a:t>books</a:t>
             </a:r>
             <a:endParaRPr lang="en-US" dirty="0"/>
           </a:p>
@@ -18966,11 +18962,7 @@
           <a:p>
             <a:r>
               <a:rPr lang="en-US" sz="2400" b="1" i="1" dirty="0" smtClean="0"/>
-              <a:t>Introduction </a:t>
-            </a:r>
-            <a:r>
-              <a:rPr lang="en-US" sz="2400" b="1" i="1" dirty="0" smtClean="0"/>
-              <a:t>to Information Retrieval</a:t>
+              <a:t>Introduction to Information Retrieval</a:t>
             </a:r>
             <a:r>
               <a:rPr lang="en-US" sz="2400" dirty="0" smtClean="0"/>
@@ -21160,7 +21152,7 @@
         <p:spPr>
           <a:xfrm>
             <a:off x="1262744" y="2560638"/>
-            <a:ext cx="2362200" cy="1175657"/>
+            <a:ext cx="2362200" cy="2112962"/>
           </a:xfrm>
           <a:prstGeom prst="roundRect">
             <a:avLst/>
@@ -21205,8 +21197,8 @@
         </p:nvSpPr>
         <p:spPr>
           <a:xfrm>
-            <a:off x="4169229" y="2253343"/>
-            <a:ext cx="2481943" cy="1175657"/>
+            <a:off x="3530601" y="2278744"/>
+            <a:ext cx="3318932" cy="2064657"/>
           </a:xfrm>
           <a:prstGeom prst="roundRect">
             <a:avLst/>
@@ -21251,8 +21243,8 @@
         </p:nvSpPr>
         <p:spPr>
           <a:xfrm>
-            <a:off x="1480457" y="3854676"/>
-            <a:ext cx="7070950" cy="2208666"/>
+            <a:off x="1463524" y="4572000"/>
+            <a:ext cx="7070950" cy="1025675"/>
           </a:xfrm>
           <a:prstGeom prst="roundRect">
             <a:avLst/>
